--- a/fantasy_analytics_PP.pptx
+++ b/fantasy_analytics_PP.pptx
@@ -14,10 +14,6 @@
     <p:sldId id="260" r:id="rId8"/>
     <p:sldId id="262" r:id="rId9"/>
     <p:sldId id="263" r:id="rId10"/>
-    <p:sldId id="264" r:id="rId11"/>
-    <p:sldId id="265" r:id="rId12"/>
-    <p:sldId id="267" r:id="rId13"/>
-    <p:sldId id="266" r:id="rId14"/>
   </p:sldIdLst>
   <p:sldSz cx="12192000" cy="6858000"/>
   <p:notesSz cx="6858000" cy="9144000"/>
@@ -627,7 +623,7 @@
             <a:fld id="{B61BEF0D-F0BB-DE4B-95CE-6DB70DBA9567}" type="datetimeFigureOut">
               <a:rPr lang="en-US" dirty="0"/>
               <a:pPr/>
-              <a:t>11/27/2017</a:t>
+              <a:t>12/6/2017</a:t>
             </a:fld>
             <a:endParaRPr lang="en-US" dirty="0"/>
           </a:p>
@@ -920,7 +916,7 @@
             <a:fld id="{B61BEF0D-F0BB-DE4B-95CE-6DB70DBA9567}" type="datetimeFigureOut">
               <a:rPr lang="en-US" dirty="0"/>
               <a:pPr/>
-              <a:t>11/27/2017</a:t>
+              <a:t>12/6/2017</a:t>
             </a:fld>
             <a:endParaRPr lang="en-US" dirty="0"/>
           </a:p>
@@ -1165,7 +1161,7 @@
             <a:fld id="{B61BEF0D-F0BB-DE4B-95CE-6DB70DBA9567}" type="datetimeFigureOut">
               <a:rPr lang="en-US" dirty="0"/>
               <a:pPr/>
-              <a:t>11/27/2017</a:t>
+              <a:t>12/6/2017</a:t>
             </a:fld>
             <a:endParaRPr lang="en-US" dirty="0"/>
           </a:p>
@@ -1702,7 +1698,7 @@
             <a:fld id="{B61BEF0D-F0BB-DE4B-95CE-6DB70DBA9567}" type="datetimeFigureOut">
               <a:rPr lang="en-US" dirty="0"/>
               <a:pPr/>
-              <a:t>11/27/2017</a:t>
+              <a:t>12/6/2017</a:t>
             </a:fld>
             <a:endParaRPr lang="en-US" dirty="0"/>
           </a:p>
@@ -1947,7 +1943,7 @@
             <a:fld id="{B61BEF0D-F0BB-DE4B-95CE-6DB70DBA9567}" type="datetimeFigureOut">
               <a:rPr lang="en-US" dirty="0"/>
               <a:pPr/>
-              <a:t>11/27/2017</a:t>
+              <a:t>12/6/2017</a:t>
             </a:fld>
             <a:endParaRPr lang="en-US" dirty="0"/>
           </a:p>
@@ -2476,7 +2472,7 @@
             <a:fld id="{B61BEF0D-F0BB-DE4B-95CE-6DB70DBA9567}" type="datetimeFigureOut">
               <a:rPr lang="en-US" dirty="0"/>
               <a:pPr/>
-              <a:t>11/27/2017</a:t>
+              <a:t>12/6/2017</a:t>
             </a:fld>
             <a:endParaRPr lang="en-US" dirty="0"/>
           </a:p>
@@ -2770,7 +2766,7 @@
             <a:fld id="{B61BEF0D-F0BB-DE4B-95CE-6DB70DBA9567}" type="datetimeFigureOut">
               <a:rPr lang="en-US" dirty="0"/>
               <a:pPr/>
-              <a:t>11/27/2017</a:t>
+              <a:t>12/6/2017</a:t>
             </a:fld>
             <a:endParaRPr lang="en-US" dirty="0"/>
           </a:p>
@@ -2941,7 +2937,7 @@
             <a:fld id="{B61BEF0D-F0BB-DE4B-95CE-6DB70DBA9567}" type="datetimeFigureOut">
               <a:rPr lang="en-US" dirty="0"/>
               <a:pPr/>
-              <a:t>11/27/2017</a:t>
+              <a:t>12/6/2017</a:t>
             </a:fld>
             <a:endParaRPr lang="en-US" dirty="0"/>
           </a:p>
@@ -3118,7 +3114,7 @@
             <a:fld id="{B61BEF0D-F0BB-DE4B-95CE-6DB70DBA9567}" type="datetimeFigureOut">
               <a:rPr lang="en-US" dirty="0"/>
               <a:pPr/>
-              <a:t>11/27/2017</a:t>
+              <a:t>12/6/2017</a:t>
             </a:fld>
             <a:endParaRPr lang="en-US" dirty="0"/>
           </a:p>
@@ -3285,7 +3281,7 @@
             <a:fld id="{B61BEF0D-F0BB-DE4B-95CE-6DB70DBA9567}" type="datetimeFigureOut">
               <a:rPr lang="en-US" dirty="0"/>
               <a:pPr/>
-              <a:t>11/27/2017</a:t>
+              <a:t>12/6/2017</a:t>
             </a:fld>
             <a:endParaRPr lang="en-US" dirty="0"/>
           </a:p>
@@ -3533,7 +3529,7 @@
             <a:fld id="{B61BEF0D-F0BB-DE4B-95CE-6DB70DBA9567}" type="datetimeFigureOut">
               <a:rPr lang="en-US" dirty="0"/>
               <a:pPr/>
-              <a:t>11/27/2017</a:t>
+              <a:t>12/6/2017</a:t>
             </a:fld>
             <a:endParaRPr lang="en-US" dirty="0"/>
           </a:p>
@@ -3827,7 +3823,7 @@
             <a:fld id="{B61BEF0D-F0BB-DE4B-95CE-6DB70DBA9567}" type="datetimeFigureOut">
               <a:rPr lang="en-US" dirty="0"/>
               <a:pPr/>
-              <a:t>11/27/2017</a:t>
+              <a:t>12/6/2017</a:t>
             </a:fld>
             <a:endParaRPr lang="en-US" dirty="0"/>
           </a:p>
@@ -4266,7 +4262,7 @@
             <a:fld id="{B61BEF0D-F0BB-DE4B-95CE-6DB70DBA9567}" type="datetimeFigureOut">
               <a:rPr lang="en-US" dirty="0"/>
               <a:pPr/>
-              <a:t>11/27/2017</a:t>
+              <a:t>12/6/2017</a:t>
             </a:fld>
             <a:endParaRPr lang="en-US" dirty="0"/>
           </a:p>
@@ -4381,7 +4377,7 @@
             <a:fld id="{B61BEF0D-F0BB-DE4B-95CE-6DB70DBA9567}" type="datetimeFigureOut">
               <a:rPr lang="en-US" dirty="0"/>
               <a:pPr/>
-              <a:t>11/27/2017</a:t>
+              <a:t>12/6/2017</a:t>
             </a:fld>
             <a:endParaRPr lang="en-US" dirty="0"/>
           </a:p>
@@ -4473,7 +4469,7 @@
             <a:fld id="{B61BEF0D-F0BB-DE4B-95CE-6DB70DBA9567}" type="datetimeFigureOut">
               <a:rPr lang="en-US" dirty="0"/>
               <a:pPr/>
-              <a:t>11/27/2017</a:t>
+              <a:t>12/6/2017</a:t>
             </a:fld>
             <a:endParaRPr lang="en-US" dirty="0"/>
           </a:p>
@@ -4753,7 +4749,7 @@
             <a:fld id="{B61BEF0D-F0BB-DE4B-95CE-6DB70DBA9567}" type="datetimeFigureOut">
               <a:rPr lang="en-US" dirty="0"/>
               <a:pPr/>
-              <a:t>11/27/2017</a:t>
+              <a:t>12/6/2017</a:t>
             </a:fld>
             <a:endParaRPr lang="en-US" dirty="0"/>
           </a:p>
@@ -5041,7 +5037,7 @@
             <a:fld id="{B61BEF0D-F0BB-DE4B-95CE-6DB70DBA9567}" type="datetimeFigureOut">
               <a:rPr lang="en-US" dirty="0"/>
               <a:pPr/>
-              <a:t>11/27/2017</a:t>
+              <a:t>12/6/2017</a:t>
             </a:fld>
             <a:endParaRPr lang="en-US" dirty="0"/>
           </a:p>
@@ -5568,7 +5564,7 @@
             <a:fld id="{B61BEF0D-F0BB-DE4B-95CE-6DB70DBA9567}" type="datetimeFigureOut">
               <a:rPr lang="en-US" dirty="0"/>
               <a:pPr/>
-              <a:t>11/27/2017</a:t>
+              <a:t>12/6/2017</a:t>
             </a:fld>
             <a:endParaRPr lang="en-US" dirty="0"/>
           </a:p>
@@ -6236,837 +6232,6 @@
 </p:sld>
 </file>
 
-<file path=ppt/slides/slide10.xml><?xml version="1.0" encoding="utf-8"?>
-<p:sld xmlns:a="http://schemas.openxmlformats.org/drawingml/2006/main" xmlns:r="http://schemas.openxmlformats.org/officeDocument/2006/relationships" xmlns:p="http://schemas.openxmlformats.org/presentationml/2006/main">
-  <p:cSld>
-    <p:spTree>
-      <p:nvGrpSpPr>
-        <p:cNvPr id="1" name=""/>
-        <p:cNvGrpSpPr/>
-        <p:nvPr/>
-      </p:nvGrpSpPr>
-      <p:grpSpPr>
-        <a:xfrm>
-          <a:off x="0" y="0"/>
-          <a:ext cx="0" cy="0"/>
-          <a:chOff x="0" y="0"/>
-          <a:chExt cx="0" cy="0"/>
-        </a:xfrm>
-      </p:grpSpPr>
-      <p:sp>
-        <p:nvSpPr>
-          <p:cNvPr id="2" name="Title 1"/>
-          <p:cNvSpPr>
-            <a:spLocks noGrp="1"/>
-          </p:cNvSpPr>
-          <p:nvPr>
-            <p:ph type="title"/>
-          </p:nvPr>
-        </p:nvSpPr>
-        <p:spPr>
-          <a:xfrm>
-            <a:off x="1484310" y="0"/>
-            <a:ext cx="10018713" cy="1752599"/>
-          </a:xfrm>
-        </p:spPr>
-        <p:txBody>
-          <a:bodyPr/>
-          <a:lstStyle/>
-          <a:p>
-            <a:r>
-              <a:rPr lang="en-US" dirty="0">
-                <a:latin typeface="Times New Roman" panose="02020603050405020304" pitchFamily="18" charset="0"/>
-                <a:cs typeface="Times New Roman" panose="02020603050405020304" pitchFamily="18" charset="0"/>
-              </a:rPr>
-              <a:t>Required Downstream </a:t>
-            </a:r>
-            <a:r>
-              <a:rPr lang="en-US" dirty="0" smtClean="0">
-                <a:latin typeface="Times New Roman" panose="02020603050405020304" pitchFamily="18" charset="0"/>
-                <a:cs typeface="Times New Roman" panose="02020603050405020304" pitchFamily="18" charset="0"/>
-              </a:rPr>
-              <a:t>Analysis (cont’d.)</a:t>
-            </a:r>
-            <a:endParaRPr lang="en-US" dirty="0"/>
-          </a:p>
-        </p:txBody>
-      </p:sp>
-      <p:sp>
-        <p:nvSpPr>
-          <p:cNvPr id="5" name="Content Placeholder 2"/>
-          <p:cNvSpPr txBox="1">
-            <a:spLocks/>
-          </p:cNvSpPr>
-          <p:nvPr/>
-        </p:nvSpPr>
-        <p:spPr>
-          <a:xfrm>
-            <a:off x="4462944" y="1501629"/>
-            <a:ext cx="7482980" cy="5356371"/>
-          </a:xfrm>
-          <a:prstGeom prst="rect">
-            <a:avLst/>
-          </a:prstGeom>
-        </p:spPr>
-        <p:txBody>
-          <a:bodyPr vert="horz" lIns="91440" tIns="45720" rIns="91440" bIns="45720" rtlCol="0" anchor="t">
-            <a:normAutofit lnSpcReduction="10000"/>
-          </a:bodyPr>
-          <a:lstStyle>
-            <a:lvl1pPr marL="285750" indent="-285750" algn="l" defTabSz="457200" rtl="0" eaLnBrk="1" latinLnBrk="0" hangingPunct="1">
-              <a:spcBef>
-                <a:spcPct val="20000"/>
-              </a:spcBef>
-              <a:spcAft>
-                <a:spcPts val="600"/>
-              </a:spcAft>
-              <a:buClr>
-                <a:schemeClr val="accent1">
-                  <a:lumMod val="75000"/>
-                </a:schemeClr>
-              </a:buClr>
-              <a:buSzPct val="145000"/>
-              <a:buFont typeface="Arial"/>
-              <a:buChar char="•"/>
-              <a:defRPr sz="2400" kern="1200" cap="none">
-                <a:solidFill>
-                  <a:schemeClr val="tx1"/>
-                </a:solidFill>
-                <a:effectLst/>
-                <a:latin typeface="+mn-lt"/>
-                <a:ea typeface="+mn-ea"/>
-                <a:cs typeface="+mn-cs"/>
-              </a:defRPr>
-            </a:lvl1pPr>
-            <a:lvl2pPr marL="742950" indent="-285750" algn="l" defTabSz="457200" rtl="0" eaLnBrk="1" latinLnBrk="0" hangingPunct="1">
-              <a:spcBef>
-                <a:spcPct val="20000"/>
-              </a:spcBef>
-              <a:spcAft>
-                <a:spcPts val="600"/>
-              </a:spcAft>
-              <a:buClr>
-                <a:schemeClr val="accent1">
-                  <a:lumMod val="75000"/>
-                </a:schemeClr>
-              </a:buClr>
-              <a:buSzPct val="145000"/>
-              <a:buFont typeface="Arial"/>
-              <a:buChar char="•"/>
-              <a:defRPr sz="2000" kern="1200" cap="none">
-                <a:solidFill>
-                  <a:schemeClr val="tx1"/>
-                </a:solidFill>
-                <a:effectLst/>
-                <a:latin typeface="+mn-lt"/>
-                <a:ea typeface="+mn-ea"/>
-                <a:cs typeface="+mn-cs"/>
-              </a:defRPr>
-            </a:lvl2pPr>
-            <a:lvl3pPr marL="1200150" indent="-285750" algn="l" defTabSz="457200" rtl="0" eaLnBrk="1" latinLnBrk="0" hangingPunct="1">
-              <a:spcBef>
-                <a:spcPct val="20000"/>
-              </a:spcBef>
-              <a:spcAft>
-                <a:spcPts val="600"/>
-              </a:spcAft>
-              <a:buClr>
-                <a:schemeClr val="accent1">
-                  <a:lumMod val="75000"/>
-                </a:schemeClr>
-              </a:buClr>
-              <a:buSzPct val="145000"/>
-              <a:buFont typeface="Arial"/>
-              <a:buChar char="•"/>
-              <a:defRPr sz="1800" kern="1200" cap="none">
-                <a:solidFill>
-                  <a:schemeClr val="tx1"/>
-                </a:solidFill>
-                <a:effectLst/>
-                <a:latin typeface="+mn-lt"/>
-                <a:ea typeface="+mn-ea"/>
-                <a:cs typeface="+mn-cs"/>
-              </a:defRPr>
-            </a:lvl3pPr>
-            <a:lvl4pPr marL="1543050" indent="-171450" algn="l" defTabSz="457200" rtl="0" eaLnBrk="1" latinLnBrk="0" hangingPunct="1">
-              <a:spcBef>
-                <a:spcPct val="20000"/>
-              </a:spcBef>
-              <a:spcAft>
-                <a:spcPts val="600"/>
-              </a:spcAft>
-              <a:buClr>
-                <a:schemeClr val="accent1">
-                  <a:lumMod val="75000"/>
-                </a:schemeClr>
-              </a:buClr>
-              <a:buSzPct val="145000"/>
-              <a:buFont typeface="Arial"/>
-              <a:buChar char="•"/>
-              <a:defRPr sz="1600" kern="1200" cap="none">
-                <a:solidFill>
-                  <a:schemeClr val="tx1"/>
-                </a:solidFill>
-                <a:effectLst/>
-                <a:latin typeface="+mn-lt"/>
-                <a:ea typeface="+mn-ea"/>
-                <a:cs typeface="+mn-cs"/>
-              </a:defRPr>
-            </a:lvl4pPr>
-            <a:lvl5pPr marL="2000250" indent="-171450" algn="l" defTabSz="457200" rtl="0" eaLnBrk="1" latinLnBrk="0" hangingPunct="1">
-              <a:spcBef>
-                <a:spcPct val="20000"/>
-              </a:spcBef>
-              <a:spcAft>
-                <a:spcPts val="600"/>
-              </a:spcAft>
-              <a:buClr>
-                <a:schemeClr val="accent1">
-                  <a:lumMod val="75000"/>
-                </a:schemeClr>
-              </a:buClr>
-              <a:buSzPct val="145000"/>
-              <a:buFont typeface="Arial"/>
-              <a:buChar char="•"/>
-              <a:defRPr sz="1400" kern="1200" cap="none">
-                <a:solidFill>
-                  <a:schemeClr val="tx1"/>
-                </a:solidFill>
-                <a:effectLst/>
-                <a:latin typeface="+mn-lt"/>
-                <a:ea typeface="+mn-ea"/>
-                <a:cs typeface="+mn-cs"/>
-              </a:defRPr>
-            </a:lvl5pPr>
-            <a:lvl6pPr marL="2514600" indent="-228600" algn="l" defTabSz="457200" rtl="0" eaLnBrk="1" latinLnBrk="0" hangingPunct="1">
-              <a:spcBef>
-                <a:spcPct val="20000"/>
-              </a:spcBef>
-              <a:spcAft>
-                <a:spcPts val="600"/>
-              </a:spcAft>
-              <a:buClr>
-                <a:schemeClr val="accent1">
-                  <a:lumMod val="75000"/>
-                </a:schemeClr>
-              </a:buClr>
-              <a:buSzPct val="145000"/>
-              <a:buFont typeface="Arial"/>
-              <a:buChar char="•"/>
-              <a:defRPr sz="1400" kern="1200" cap="none">
-                <a:solidFill>
-                  <a:schemeClr val="tx1"/>
-                </a:solidFill>
-                <a:effectLst/>
-                <a:latin typeface="+mn-lt"/>
-                <a:ea typeface="+mn-ea"/>
-                <a:cs typeface="+mn-cs"/>
-              </a:defRPr>
-            </a:lvl6pPr>
-            <a:lvl7pPr marL="2971800" indent="-228600" algn="l" defTabSz="457200" rtl="0" eaLnBrk="1" latinLnBrk="0" hangingPunct="1">
-              <a:spcBef>
-                <a:spcPct val="20000"/>
-              </a:spcBef>
-              <a:spcAft>
-                <a:spcPts val="600"/>
-              </a:spcAft>
-              <a:buClr>
-                <a:schemeClr val="accent1">
-                  <a:lumMod val="75000"/>
-                </a:schemeClr>
-              </a:buClr>
-              <a:buSzPct val="145000"/>
-              <a:buFont typeface="Arial"/>
-              <a:buChar char="•"/>
-              <a:defRPr sz="1400" kern="1200" cap="none">
-                <a:solidFill>
-                  <a:schemeClr val="tx1"/>
-                </a:solidFill>
-                <a:effectLst/>
-                <a:latin typeface="+mn-lt"/>
-                <a:ea typeface="+mn-ea"/>
-                <a:cs typeface="+mn-cs"/>
-              </a:defRPr>
-            </a:lvl7pPr>
-            <a:lvl8pPr marL="3429000" indent="-228600" algn="l" defTabSz="457200" rtl="0" eaLnBrk="1" latinLnBrk="0" hangingPunct="1">
-              <a:spcBef>
-                <a:spcPct val="20000"/>
-              </a:spcBef>
-              <a:spcAft>
-                <a:spcPts val="600"/>
-              </a:spcAft>
-              <a:buClr>
-                <a:schemeClr val="accent1">
-                  <a:lumMod val="75000"/>
-                </a:schemeClr>
-              </a:buClr>
-              <a:buSzPct val="145000"/>
-              <a:buFont typeface="Arial"/>
-              <a:buChar char="•"/>
-              <a:defRPr sz="1400" kern="1200" cap="none">
-                <a:solidFill>
-                  <a:schemeClr val="tx1"/>
-                </a:solidFill>
-                <a:effectLst/>
-                <a:latin typeface="+mn-lt"/>
-                <a:ea typeface="+mn-ea"/>
-                <a:cs typeface="+mn-cs"/>
-              </a:defRPr>
-            </a:lvl8pPr>
-            <a:lvl9pPr marL="3886200" indent="-228600" algn="l" defTabSz="457200" rtl="0" eaLnBrk="1" latinLnBrk="0" hangingPunct="1">
-              <a:spcBef>
-                <a:spcPct val="20000"/>
-              </a:spcBef>
-              <a:spcAft>
-                <a:spcPts val="600"/>
-              </a:spcAft>
-              <a:buClr>
-                <a:schemeClr val="accent1">
-                  <a:lumMod val="75000"/>
-                </a:schemeClr>
-              </a:buClr>
-              <a:buSzPct val="145000"/>
-              <a:buFont typeface="Arial"/>
-              <a:buChar char="•"/>
-              <a:defRPr sz="1400" kern="1200" cap="none">
-                <a:solidFill>
-                  <a:schemeClr val="tx1"/>
-                </a:solidFill>
-                <a:effectLst/>
-                <a:latin typeface="+mn-lt"/>
-                <a:ea typeface="+mn-ea"/>
-                <a:cs typeface="+mn-cs"/>
-              </a:defRPr>
-            </a:lvl9pPr>
-          </a:lstStyle>
-          <a:p>
-            <a:r>
-              <a:rPr lang="en-US" dirty="0" smtClean="0">
-                <a:latin typeface="Times New Roman" panose="02020603050405020304" pitchFamily="18" charset="0"/>
-                <a:cs typeface="Times New Roman" panose="02020603050405020304" pitchFamily="18" charset="0"/>
-              </a:rPr>
-              <a:t>Start Game:</a:t>
-            </a:r>
-          </a:p>
-          <a:p>
-            <a:pPr lvl="1"/>
-            <a:r>
-              <a:rPr lang="en-US" dirty="0" smtClean="0">
-                <a:latin typeface="Times New Roman" panose="02020603050405020304" pitchFamily="18" charset="0"/>
-                <a:cs typeface="Times New Roman" panose="02020603050405020304" pitchFamily="18" charset="0"/>
-              </a:rPr>
-              <a:t>Initialize()</a:t>
-            </a:r>
-          </a:p>
-          <a:p>
-            <a:pPr lvl="2"/>
-            <a:r>
-              <a:rPr lang="en-US" dirty="0" smtClean="0">
-                <a:latin typeface="Times New Roman" panose="02020603050405020304" pitchFamily="18" charset="0"/>
-                <a:cs typeface="Times New Roman" panose="02020603050405020304" pitchFamily="18" charset="0"/>
-              </a:rPr>
-              <a:t>Create all models (players, edges, vertices, tiles)</a:t>
-            </a:r>
-          </a:p>
-          <a:p>
-            <a:pPr lvl="2"/>
-            <a:r>
-              <a:rPr lang="en-US" dirty="0" smtClean="0">
-                <a:latin typeface="Times New Roman" panose="02020603050405020304" pitchFamily="18" charset="0"/>
-                <a:cs typeface="Times New Roman" panose="02020603050405020304" pitchFamily="18" charset="0"/>
-              </a:rPr>
-              <a:t>Assign edges/vertices to tiles (many-to-many)</a:t>
-            </a:r>
-          </a:p>
-          <a:p>
-            <a:pPr lvl="2"/>
-            <a:r>
-              <a:rPr lang="en-US" dirty="0" smtClean="0">
-                <a:latin typeface="Times New Roman" panose="02020603050405020304" pitchFamily="18" charset="0"/>
-                <a:cs typeface="Times New Roman" panose="02020603050405020304" pitchFamily="18" charset="0"/>
-              </a:rPr>
-              <a:t>Create adjacency matrix</a:t>
-            </a:r>
-          </a:p>
-          <a:p>
-            <a:pPr lvl="2"/>
-            <a:r>
-              <a:rPr lang="en-US" dirty="0" smtClean="0">
-                <a:latin typeface="Times New Roman" panose="02020603050405020304" pitchFamily="18" charset="0"/>
-                <a:cs typeface="Times New Roman" panose="02020603050405020304" pitchFamily="18" charset="0"/>
-              </a:rPr>
-              <a:t>Assign starting locations and resources</a:t>
-            </a:r>
-          </a:p>
-          <a:p>
-            <a:pPr lvl="2"/>
-            <a:r>
-              <a:rPr lang="en-US" dirty="0" smtClean="0">
-                <a:latin typeface="Times New Roman" panose="02020603050405020304" pitchFamily="18" charset="0"/>
-                <a:cs typeface="Times New Roman" panose="02020603050405020304" pitchFamily="18" charset="0"/>
-              </a:rPr>
-              <a:t>Save()</a:t>
-            </a:r>
-          </a:p>
-          <a:p>
-            <a:pPr lvl="1"/>
-            <a:r>
-              <a:rPr lang="en-US" dirty="0" err="1" smtClean="0">
-                <a:latin typeface="Times New Roman" panose="02020603050405020304" pitchFamily="18" charset="0"/>
-                <a:cs typeface="Times New Roman" panose="02020603050405020304" pitchFamily="18" charset="0"/>
-              </a:rPr>
-              <a:t>Start_turn</a:t>
-            </a:r>
-            <a:r>
-              <a:rPr lang="en-US" dirty="0" smtClean="0">
-                <a:latin typeface="Times New Roman" panose="02020603050405020304" pitchFamily="18" charset="0"/>
-                <a:cs typeface="Times New Roman" panose="02020603050405020304" pitchFamily="18" charset="0"/>
-              </a:rPr>
-              <a:t>()</a:t>
-            </a:r>
-          </a:p>
-          <a:p>
-            <a:pPr lvl="2"/>
-            <a:r>
-              <a:rPr lang="en-US" dirty="0" smtClean="0">
-                <a:latin typeface="Times New Roman" panose="02020603050405020304" pitchFamily="18" charset="0"/>
-                <a:cs typeface="Times New Roman" panose="02020603050405020304" pitchFamily="18" charset="0"/>
-              </a:rPr>
-              <a:t>Roll dice</a:t>
-            </a:r>
-          </a:p>
-          <a:p>
-            <a:pPr lvl="2"/>
-            <a:r>
-              <a:rPr lang="en-US" dirty="0" smtClean="0">
-                <a:latin typeface="Times New Roman" panose="02020603050405020304" pitchFamily="18" charset="0"/>
-                <a:cs typeface="Times New Roman" panose="02020603050405020304" pitchFamily="18" charset="0"/>
-              </a:rPr>
-              <a:t>Distribute resources</a:t>
-            </a:r>
-          </a:p>
-          <a:p>
-            <a:pPr lvl="2"/>
-            <a:r>
-              <a:rPr lang="en-US" dirty="0" smtClean="0">
-                <a:latin typeface="Times New Roman" panose="02020603050405020304" pitchFamily="18" charset="0"/>
-                <a:cs typeface="Times New Roman" panose="02020603050405020304" pitchFamily="18" charset="0"/>
-              </a:rPr>
-              <a:t>Player build options</a:t>
-            </a:r>
-          </a:p>
-          <a:p>
-            <a:pPr lvl="2"/>
-            <a:r>
-              <a:rPr lang="en-US" dirty="0" smtClean="0">
-                <a:latin typeface="Times New Roman" panose="02020603050405020304" pitchFamily="18" charset="0"/>
-                <a:cs typeface="Times New Roman" panose="02020603050405020304" pitchFamily="18" charset="0"/>
-              </a:rPr>
-              <a:t>End turn</a:t>
-            </a:r>
-          </a:p>
-          <a:p>
-            <a:pPr lvl="2"/>
-            <a:r>
-              <a:rPr lang="en-US" dirty="0" smtClean="0">
-                <a:latin typeface="Times New Roman" panose="02020603050405020304" pitchFamily="18" charset="0"/>
-                <a:cs typeface="Times New Roman" panose="02020603050405020304" pitchFamily="18" charset="0"/>
-              </a:rPr>
-              <a:t>Save()</a:t>
-            </a:r>
-          </a:p>
-          <a:p>
-            <a:pPr marL="914400" lvl="2" indent="0">
-              <a:buNone/>
-            </a:pPr>
-            <a:endParaRPr lang="en-US" dirty="0">
-              <a:latin typeface="Times New Roman" panose="02020603050405020304" pitchFamily="18" charset="0"/>
-              <a:cs typeface="Times New Roman" panose="02020603050405020304" pitchFamily="18" charset="0"/>
-            </a:endParaRPr>
-          </a:p>
-        </p:txBody>
-      </p:sp>
-      <p:sp>
-        <p:nvSpPr>
-          <p:cNvPr id="3" name="Content Placeholder 2"/>
-          <p:cNvSpPr>
-            <a:spLocks noGrp="1"/>
-          </p:cNvSpPr>
-          <p:nvPr>
-            <p:ph idx="1"/>
-          </p:nvPr>
-        </p:nvSpPr>
-        <p:spPr/>
-        <p:txBody>
-          <a:bodyPr/>
-          <a:lstStyle/>
-          <a:p>
-            <a:endParaRPr lang="en-US"/>
-          </a:p>
-        </p:txBody>
-      </p:sp>
-    </p:spTree>
-    <p:extLst>
-      <p:ext uri="{BB962C8B-B14F-4D97-AF65-F5344CB8AC3E}">
-        <p14:creationId xmlns:p14="http://schemas.microsoft.com/office/powerpoint/2010/main" val="3963044088"/>
-      </p:ext>
-    </p:extLst>
-  </p:cSld>
-  <p:clrMapOvr>
-    <a:masterClrMapping/>
-  </p:clrMapOvr>
-  <p:timing>
-    <p:tnLst>
-      <p:par>
-        <p:cTn id="1" dur="indefinite" restart="never" nodeType="tmRoot"/>
-      </p:par>
-    </p:tnLst>
-  </p:timing>
-</p:sld>
-</file>
-
-<file path=ppt/slides/slide11.xml><?xml version="1.0" encoding="utf-8"?>
-<p:sld xmlns:a="http://schemas.openxmlformats.org/drawingml/2006/main" xmlns:r="http://schemas.openxmlformats.org/officeDocument/2006/relationships" xmlns:p="http://schemas.openxmlformats.org/presentationml/2006/main">
-  <p:cSld>
-    <p:spTree>
-      <p:nvGrpSpPr>
-        <p:cNvPr id="1" name=""/>
-        <p:cNvGrpSpPr/>
-        <p:nvPr/>
-      </p:nvGrpSpPr>
-      <p:grpSpPr>
-        <a:xfrm>
-          <a:off x="0" y="0"/>
-          <a:ext cx="0" cy="0"/>
-          <a:chOff x="0" y="0"/>
-          <a:chExt cx="0" cy="0"/>
-        </a:xfrm>
-      </p:grpSpPr>
-      <p:sp>
-        <p:nvSpPr>
-          <p:cNvPr id="2" name="Title 1"/>
-          <p:cNvSpPr>
-            <a:spLocks noGrp="1"/>
-          </p:cNvSpPr>
-          <p:nvPr>
-            <p:ph type="title"/>
-          </p:nvPr>
-        </p:nvSpPr>
-        <p:spPr>
-          <a:xfrm>
-            <a:off x="1484309" y="0"/>
-            <a:ext cx="10018713" cy="1752599"/>
-          </a:xfrm>
-        </p:spPr>
-        <p:txBody>
-          <a:bodyPr/>
-          <a:lstStyle/>
-          <a:p>
-            <a:r>
-              <a:rPr lang="en-US" dirty="0">
-                <a:latin typeface="Times New Roman" panose="02020603050405020304" pitchFamily="18" charset="0"/>
-                <a:cs typeface="Times New Roman" panose="02020603050405020304" pitchFamily="18" charset="0"/>
-              </a:rPr>
-              <a:t>Required Downstream </a:t>
-            </a:r>
-            <a:r>
-              <a:rPr lang="en-US" dirty="0" smtClean="0">
-                <a:latin typeface="Times New Roman" panose="02020603050405020304" pitchFamily="18" charset="0"/>
-                <a:cs typeface="Times New Roman" panose="02020603050405020304" pitchFamily="18" charset="0"/>
-              </a:rPr>
-              <a:t>Analysis (cont’d)</a:t>
-            </a:r>
-            <a:endParaRPr lang="en-US" dirty="0">
-              <a:latin typeface="Times New Roman" panose="02020603050405020304" pitchFamily="18" charset="0"/>
-              <a:cs typeface="Times New Roman" panose="02020603050405020304" pitchFamily="18" charset="0"/>
-            </a:endParaRPr>
-          </a:p>
-        </p:txBody>
-      </p:sp>
-    </p:spTree>
-    <p:extLst>
-      <p:ext uri="{BB962C8B-B14F-4D97-AF65-F5344CB8AC3E}">
-        <p14:creationId xmlns:p14="http://schemas.microsoft.com/office/powerpoint/2010/main" val="2546539854"/>
-      </p:ext>
-    </p:extLst>
-  </p:cSld>
-  <p:clrMapOvr>
-    <a:masterClrMapping/>
-  </p:clrMapOvr>
-  <p:timing>
-    <p:tnLst>
-      <p:par>
-        <p:cTn id="1" dur="indefinite" restart="never" nodeType="tmRoot"/>
-      </p:par>
-    </p:tnLst>
-  </p:timing>
-</p:sld>
-</file>
-
-<file path=ppt/slides/slide12.xml><?xml version="1.0" encoding="utf-8"?>
-<p:sld xmlns:a="http://schemas.openxmlformats.org/drawingml/2006/main" xmlns:r="http://schemas.openxmlformats.org/officeDocument/2006/relationships" xmlns:p="http://schemas.openxmlformats.org/presentationml/2006/main">
-  <p:cSld>
-    <p:spTree>
-      <p:nvGrpSpPr>
-        <p:cNvPr id="1" name=""/>
-        <p:cNvGrpSpPr/>
-        <p:nvPr/>
-      </p:nvGrpSpPr>
-      <p:grpSpPr>
-        <a:xfrm>
-          <a:off x="0" y="0"/>
-          <a:ext cx="0" cy="0"/>
-          <a:chOff x="0" y="0"/>
-          <a:chExt cx="0" cy="0"/>
-        </a:xfrm>
-      </p:grpSpPr>
-      <p:sp>
-        <p:nvSpPr>
-          <p:cNvPr id="2" name="Title 1"/>
-          <p:cNvSpPr>
-            <a:spLocks noGrp="1"/>
-          </p:cNvSpPr>
-          <p:nvPr>
-            <p:ph type="title"/>
-          </p:nvPr>
-        </p:nvSpPr>
-        <p:spPr>
-          <a:xfrm>
-            <a:off x="1484310" y="0"/>
-            <a:ext cx="10018713" cy="1752599"/>
-          </a:xfrm>
-        </p:spPr>
-        <p:txBody>
-          <a:bodyPr/>
-          <a:lstStyle/>
-          <a:p>
-            <a:r>
-              <a:rPr lang="en-US" dirty="0" smtClean="0"/>
-              <a:t>Game Flow Diagram</a:t>
-            </a:r>
-            <a:endParaRPr lang="en-US" dirty="0"/>
-          </a:p>
-        </p:txBody>
-      </p:sp>
-      <p:pic>
-        <p:nvPicPr>
-          <p:cNvPr id="4" name="Picture 3"/>
-          <p:cNvPicPr>
-            <a:picLocks noChangeAspect="1"/>
-          </p:cNvPicPr>
-          <p:nvPr/>
-        </p:nvPicPr>
-        <p:blipFill>
-          <a:blip r:embed="rId2"/>
-          <a:stretch>
-            <a:fillRect/>
-          </a:stretch>
-        </p:blipFill>
-        <p:spPr>
-          <a:xfrm>
-            <a:off x="4094383" y="1241571"/>
-            <a:ext cx="4798566" cy="5517639"/>
-          </a:xfrm>
-          <a:prstGeom prst="rect">
-            <a:avLst/>
-          </a:prstGeom>
-        </p:spPr>
-      </p:pic>
-    </p:spTree>
-    <p:extLst>
-      <p:ext uri="{BB962C8B-B14F-4D97-AF65-F5344CB8AC3E}">
-        <p14:creationId xmlns:p14="http://schemas.microsoft.com/office/powerpoint/2010/main" val="997679284"/>
-      </p:ext>
-    </p:extLst>
-  </p:cSld>
-  <p:clrMapOvr>
-    <a:masterClrMapping/>
-  </p:clrMapOvr>
-</p:sld>
-</file>
-
-<file path=ppt/slides/slide13.xml><?xml version="1.0" encoding="utf-8"?>
-<p:sld xmlns:a="http://schemas.openxmlformats.org/drawingml/2006/main" xmlns:r="http://schemas.openxmlformats.org/officeDocument/2006/relationships" xmlns:p="http://schemas.openxmlformats.org/presentationml/2006/main">
-  <p:cSld>
-    <p:spTree>
-      <p:nvGrpSpPr>
-        <p:cNvPr id="1" name=""/>
-        <p:cNvGrpSpPr/>
-        <p:nvPr/>
-      </p:nvGrpSpPr>
-      <p:grpSpPr>
-        <a:xfrm>
-          <a:off x="0" y="0"/>
-          <a:ext cx="0" cy="0"/>
-          <a:chOff x="0" y="0"/>
-          <a:chExt cx="0" cy="0"/>
-        </a:xfrm>
-      </p:grpSpPr>
-      <p:sp>
-        <p:nvSpPr>
-          <p:cNvPr id="2" name="Title 1"/>
-          <p:cNvSpPr>
-            <a:spLocks noGrp="1"/>
-          </p:cNvSpPr>
-          <p:nvPr>
-            <p:ph type="title"/>
-          </p:nvPr>
-        </p:nvSpPr>
-        <p:spPr>
-          <a:xfrm>
-            <a:off x="1484309" y="0"/>
-            <a:ext cx="10018713" cy="1752599"/>
-          </a:xfrm>
-        </p:spPr>
-        <p:txBody>
-          <a:bodyPr/>
-          <a:lstStyle/>
-          <a:p>
-            <a:r>
-              <a:rPr lang="en-US" dirty="0" smtClean="0">
-                <a:latin typeface="Times New Roman" panose="02020603050405020304" pitchFamily="18" charset="0"/>
-                <a:cs typeface="Times New Roman" panose="02020603050405020304" pitchFamily="18" charset="0"/>
-              </a:rPr>
-              <a:t>DEMO</a:t>
-            </a:r>
-            <a:endParaRPr lang="en-US" dirty="0">
-              <a:latin typeface="Times New Roman" panose="02020603050405020304" pitchFamily="18" charset="0"/>
-              <a:cs typeface="Times New Roman" panose="02020603050405020304" pitchFamily="18" charset="0"/>
-            </a:endParaRPr>
-          </a:p>
-        </p:txBody>
-      </p:sp>
-      <p:sp>
-        <p:nvSpPr>
-          <p:cNvPr id="3" name="Content Placeholder 2"/>
-          <p:cNvSpPr>
-            <a:spLocks noGrp="1"/>
-          </p:cNvSpPr>
-          <p:nvPr>
-            <p:ph idx="1"/>
-          </p:nvPr>
-        </p:nvSpPr>
-        <p:spPr>
-          <a:xfrm>
-            <a:off x="1484308" y="1106647"/>
-            <a:ext cx="10018713" cy="5751353"/>
-          </a:xfrm>
-        </p:spPr>
-        <p:txBody>
-          <a:bodyPr/>
-          <a:lstStyle/>
-          <a:p>
-            <a:r>
-              <a:rPr lang="en-US" dirty="0" smtClean="0">
-                <a:latin typeface="Times New Roman" panose="02020603050405020304" pitchFamily="18" charset="0"/>
-                <a:cs typeface="Times New Roman" panose="02020603050405020304" pitchFamily="18" charset="0"/>
-              </a:rPr>
-              <a:t>This demo is purely a demonstration of the backend and game API, it is meant to simulate a game and update the database accordingly. It is possible to load a saved game but that will not be part of the simulation</a:t>
-            </a:r>
-          </a:p>
-          <a:p>
-            <a:r>
-              <a:rPr lang="en-US" dirty="0" smtClean="0">
-                <a:latin typeface="Times New Roman" panose="02020603050405020304" pitchFamily="18" charset="0"/>
-                <a:cs typeface="Times New Roman" panose="02020603050405020304" pitchFamily="18" charset="0"/>
-              </a:rPr>
-              <a:t>No frontend was built</a:t>
-            </a:r>
-          </a:p>
-          <a:p>
-            <a:r>
-              <a:rPr lang="en-US" dirty="0" smtClean="0">
-                <a:latin typeface="Times New Roman" panose="02020603050405020304" pitchFamily="18" charset="0"/>
-                <a:cs typeface="Times New Roman" panose="02020603050405020304" pitchFamily="18" charset="0"/>
-              </a:rPr>
-              <a:t>Time permitting, a small demonstration of Django’s database API will illustrate the changes to the database</a:t>
-            </a:r>
-          </a:p>
-          <a:p>
-            <a:r>
-              <a:rPr lang="en-US" dirty="0" smtClean="0">
-                <a:latin typeface="Times New Roman" panose="02020603050405020304" pitchFamily="18" charset="0"/>
-                <a:cs typeface="Times New Roman" panose="02020603050405020304" pitchFamily="18" charset="0"/>
-              </a:rPr>
-              <a:t>Want </a:t>
-            </a:r>
-            <a:r>
-              <a:rPr lang="en-US" dirty="0">
-                <a:latin typeface="Times New Roman" panose="02020603050405020304" pitchFamily="18" charset="0"/>
-                <a:cs typeface="Times New Roman" panose="02020603050405020304" pitchFamily="18" charset="0"/>
-              </a:rPr>
-              <a:t>to contribute? </a:t>
-            </a:r>
-            <a:r>
-              <a:rPr lang="en-US" dirty="0">
-                <a:latin typeface="Times New Roman" panose="02020603050405020304" pitchFamily="18" charset="0"/>
-                <a:cs typeface="Times New Roman" panose="02020603050405020304" pitchFamily="18" charset="0"/>
-                <a:hlinkClick r:id="rId2"/>
-              </a:rPr>
-              <a:t>https://</a:t>
-            </a:r>
-            <a:r>
-              <a:rPr lang="en-US" dirty="0" smtClean="0">
-                <a:latin typeface="Times New Roman" panose="02020603050405020304" pitchFamily="18" charset="0"/>
-                <a:cs typeface="Times New Roman" panose="02020603050405020304" pitchFamily="18" charset="0"/>
-                <a:hlinkClick r:id="rId2"/>
-              </a:rPr>
-              <a:t>github.com/myz540/thezhongfamily</a:t>
-            </a:r>
-            <a:endParaRPr lang="en-US" dirty="0" smtClean="0">
-              <a:latin typeface="Times New Roman" panose="02020603050405020304" pitchFamily="18" charset="0"/>
-              <a:cs typeface="Times New Roman" panose="02020603050405020304" pitchFamily="18" charset="0"/>
-            </a:endParaRPr>
-          </a:p>
-          <a:p>
-            <a:pPr lvl="1"/>
-            <a:r>
-              <a:rPr lang="en-US" dirty="0" err="1" smtClean="0">
-                <a:latin typeface="Times New Roman" panose="02020603050405020304" pitchFamily="18" charset="0"/>
-                <a:cs typeface="Times New Roman" panose="02020603050405020304" pitchFamily="18" charset="0"/>
-              </a:rPr>
-              <a:t>git</a:t>
-            </a:r>
-            <a:r>
-              <a:rPr lang="en-US" dirty="0">
-                <a:latin typeface="Times New Roman" panose="02020603050405020304" pitchFamily="18" charset="0"/>
-                <a:cs typeface="Times New Roman" panose="02020603050405020304" pitchFamily="18" charset="0"/>
-              </a:rPr>
-              <a:t> clone https://github.com/myz540/thezhongfamily.git</a:t>
-            </a:r>
-            <a:endParaRPr lang="en-US" dirty="0" smtClean="0">
-              <a:latin typeface="Times New Roman" panose="02020603050405020304" pitchFamily="18" charset="0"/>
-              <a:cs typeface="Times New Roman" panose="02020603050405020304" pitchFamily="18" charset="0"/>
-            </a:endParaRPr>
-          </a:p>
-          <a:p>
-            <a:endParaRPr lang="en-US" dirty="0">
-              <a:latin typeface="Times New Roman" panose="02020603050405020304" pitchFamily="18" charset="0"/>
-              <a:cs typeface="Times New Roman" panose="02020603050405020304" pitchFamily="18" charset="0"/>
-            </a:endParaRPr>
-          </a:p>
-        </p:txBody>
-      </p:sp>
-    </p:spTree>
-    <p:extLst>
-      <p:ext uri="{BB962C8B-B14F-4D97-AF65-F5344CB8AC3E}">
-        <p14:creationId xmlns:p14="http://schemas.microsoft.com/office/powerpoint/2010/main" val="1622442453"/>
-      </p:ext>
-    </p:extLst>
-  </p:cSld>
-  <p:clrMapOvr>
-    <a:masterClrMapping/>
-  </p:clrMapOvr>
-  <p:timing>
-    <p:tnLst>
-      <p:par>
-        <p:cTn id="1" dur="indefinite" restart="never" nodeType="tmRoot"/>
-      </p:par>
-    </p:tnLst>
-  </p:timing>
-</p:sld>
-</file>
-
 <file path=ppt/slides/slide2.xml><?xml version="1.0" encoding="utf-8"?>
 <p:sld xmlns:a="http://schemas.openxmlformats.org/drawingml/2006/main" xmlns:r="http://schemas.openxmlformats.org/officeDocument/2006/relationships" xmlns:p="http://schemas.openxmlformats.org/presentationml/2006/main">
   <p:cSld>
@@ -7143,19 +6308,8 @@
                 <a:latin typeface="Times New Roman" panose="02020603050405020304" pitchFamily="18" charset="0"/>
                 <a:cs typeface="Times New Roman" panose="02020603050405020304" pitchFamily="18" charset="0"/>
               </a:rPr>
-              <a:t>To </a:t>
+              <a:t>To put together an analytical work-flow using R and Python from data collection, cleaning, and augmentation, through various analyses</a:t>
             </a:r>
-            <a:r>
-              <a:rPr lang="en-US" dirty="0" smtClean="0">
-                <a:latin typeface="Times New Roman" panose="02020603050405020304" pitchFamily="18" charset="0"/>
-                <a:cs typeface="Times New Roman" panose="02020603050405020304" pitchFamily="18" charset="0"/>
-              </a:rPr>
-              <a:t>put together an analytical work-flow using R and Python from data collection, cleaning, and augmentation, through various analyses</a:t>
-            </a:r>
-            <a:endParaRPr lang="en-US" dirty="0" smtClean="0">
-              <a:latin typeface="Times New Roman" panose="02020603050405020304" pitchFamily="18" charset="0"/>
-              <a:cs typeface="Times New Roman" panose="02020603050405020304" pitchFamily="18" charset="0"/>
-            </a:endParaRPr>
           </a:p>
           <a:p>
             <a:r>
@@ -7165,10 +6319,6 @@
               </a:rPr>
               <a:t>To become more familiar manipulating data using R</a:t>
             </a:r>
-            <a:endParaRPr lang="en-US" dirty="0" smtClean="0">
-              <a:latin typeface="Times New Roman" panose="02020603050405020304" pitchFamily="18" charset="0"/>
-              <a:cs typeface="Times New Roman" panose="02020603050405020304" pitchFamily="18" charset="0"/>
-            </a:endParaRPr>
           </a:p>
           <a:p>
             <a:r>
@@ -7176,19 +6326,17 @@
                 <a:latin typeface="Times New Roman" panose="02020603050405020304" pitchFamily="18" charset="0"/>
                 <a:cs typeface="Times New Roman" panose="02020603050405020304" pitchFamily="18" charset="0"/>
               </a:rPr>
-              <a:t>To </a:t>
+              <a:t>To practice concepts learned in CS544 and apply them to real-world data</a:t>
             </a:r>
+          </a:p>
+          <a:p>
             <a:r>
               <a:rPr lang="en-US" dirty="0" smtClean="0">
                 <a:latin typeface="Times New Roman" panose="02020603050405020304" pitchFamily="18" charset="0"/>
                 <a:cs typeface="Times New Roman" panose="02020603050405020304" pitchFamily="18" charset="0"/>
               </a:rPr>
-              <a:t>practice concepts learned in CS544 and apply them to real-world data</a:t>
+              <a:t>To gain insights into a very popular and relevant real-world game that is enjoyed by millions</a:t>
             </a:r>
-            <a:endParaRPr lang="en-US" dirty="0" smtClean="0">
-              <a:latin typeface="Times New Roman" panose="02020603050405020304" pitchFamily="18" charset="0"/>
-              <a:cs typeface="Times New Roman" panose="02020603050405020304" pitchFamily="18" charset="0"/>
-            </a:endParaRPr>
           </a:p>
           <a:p>
             <a:r>
@@ -7196,34 +6344,7 @@
                 <a:latin typeface="Times New Roman" panose="02020603050405020304" pitchFamily="18" charset="0"/>
                 <a:cs typeface="Times New Roman" panose="02020603050405020304" pitchFamily="18" charset="0"/>
               </a:rPr>
-              <a:t>To </a:t>
-            </a:r>
-            <a:r>
-              <a:rPr lang="en-US" dirty="0" smtClean="0">
-                <a:latin typeface="Times New Roman" panose="02020603050405020304" pitchFamily="18" charset="0"/>
-                <a:cs typeface="Times New Roman" panose="02020603050405020304" pitchFamily="18" charset="0"/>
-              </a:rPr>
-              <a:t>gain insights into a very popular and relevant real-world game that is enjoyed by millions</a:t>
-            </a:r>
-            <a:endParaRPr lang="en-US" dirty="0" smtClean="0">
-              <a:latin typeface="Times New Roman" panose="02020603050405020304" pitchFamily="18" charset="0"/>
-              <a:cs typeface="Times New Roman" panose="02020603050405020304" pitchFamily="18" charset="0"/>
-            </a:endParaRPr>
-          </a:p>
-          <a:p>
-            <a:r>
-              <a:rPr lang="en-US" dirty="0" smtClean="0">
-                <a:latin typeface="Times New Roman" panose="02020603050405020304" pitchFamily="18" charset="0"/>
-                <a:cs typeface="Times New Roman" panose="02020603050405020304" pitchFamily="18" charset="0"/>
-              </a:rPr>
-              <a:t>With a </a:t>
-            </a:r>
-            <a:r>
-              <a:rPr lang="en-US" dirty="0" smtClean="0">
-                <a:latin typeface="Times New Roman" panose="02020603050405020304" pitchFamily="18" charset="0"/>
-                <a:cs typeface="Times New Roman" panose="02020603050405020304" pitchFamily="18" charset="0"/>
-              </a:rPr>
-              <a:t>widespread gain in popularity, daily fantasy football has become recognized in some states as a form of gambling, however, there is plenty of room to apply analytical techniques for individual profit</a:t>
+              <a:t>With a widespread gain in popularity, daily fantasy football has become recognized in some states as a form of gambling, however, there is plenty of room to apply analytical techniques for individual profit</a:t>
             </a:r>
             <a:endParaRPr lang="en-US" dirty="0">
               <a:latin typeface="Times New Roman" panose="02020603050405020304" pitchFamily="18" charset="0"/>
@@ -7294,14 +6415,7 @@
                 <a:latin typeface="Times New Roman" panose="02020603050405020304" pitchFamily="18" charset="0"/>
                 <a:cs typeface="Times New Roman" panose="02020603050405020304" pitchFamily="18" charset="0"/>
               </a:rPr>
-              <a:t>What is </a:t>
-            </a:r>
-            <a:r>
-              <a:rPr lang="en-US" dirty="0" smtClean="0">
-                <a:latin typeface="Times New Roman" panose="02020603050405020304" pitchFamily="18" charset="0"/>
-                <a:cs typeface="Times New Roman" panose="02020603050405020304" pitchFamily="18" charset="0"/>
-              </a:rPr>
-              <a:t>(American) Football?</a:t>
+              <a:t>What is (American) Football?</a:t>
             </a:r>
             <a:endParaRPr lang="en-US" dirty="0">
               <a:latin typeface="Times New Roman" panose="02020603050405020304" pitchFamily="18" charset="0"/>
@@ -7364,19 +6478,8 @@
                 <a:latin typeface="Times New Roman" panose="02020603050405020304" pitchFamily="18" charset="0"/>
                 <a:cs typeface="Times New Roman" panose="02020603050405020304" pitchFamily="18" charset="0"/>
               </a:rPr>
-              <a:t>field; </a:t>
+              <a:t>field; one team will be on offense and the other team on defense.  </a:t>
             </a:r>
-            <a:r>
-              <a:rPr lang="en-US" dirty="0" smtClean="0">
-                <a:latin typeface="Times New Roman" panose="02020603050405020304" pitchFamily="18" charset="0"/>
-                <a:cs typeface="Times New Roman" panose="02020603050405020304" pitchFamily="18" charset="0"/>
-              </a:rPr>
-              <a:t>one team will be on offense and the other team on defense.  </a:t>
-            </a:r>
-            <a:endParaRPr lang="en-US" dirty="0" smtClean="0">
-              <a:latin typeface="Times New Roman" panose="02020603050405020304" pitchFamily="18" charset="0"/>
-              <a:cs typeface="Times New Roman" panose="02020603050405020304" pitchFamily="18" charset="0"/>
-            </a:endParaRPr>
           </a:p>
         </p:txBody>
       </p:sp>
@@ -7714,10 +6817,6 @@
               </a:rPr>
               <a:t>Each player typically has a specific role and plays a specific position.</a:t>
             </a:r>
-            <a:endParaRPr lang="en-US" dirty="0" smtClean="0">
-              <a:latin typeface="Times New Roman" panose="02020603050405020304" pitchFamily="18" charset="0"/>
-              <a:cs typeface="Times New Roman" panose="02020603050405020304" pitchFamily="18" charset="0"/>
-            </a:endParaRPr>
           </a:p>
         </p:txBody>
       </p:sp>
@@ -7824,14 +6923,7 @@
                 <a:latin typeface="Times New Roman" panose="02020603050405020304" pitchFamily="18" charset="0"/>
                 <a:cs typeface="Times New Roman" panose="02020603050405020304" pitchFamily="18" charset="0"/>
               </a:rPr>
-              <a:t>What is </a:t>
-            </a:r>
-            <a:r>
-              <a:rPr lang="en-US" dirty="0" smtClean="0">
-                <a:latin typeface="Times New Roman" panose="02020603050405020304" pitchFamily="18" charset="0"/>
-                <a:cs typeface="Times New Roman" panose="02020603050405020304" pitchFamily="18" charset="0"/>
-              </a:rPr>
-              <a:t>Fantasy Football?</a:t>
+              <a:t>What is Fantasy Football?</a:t>
             </a:r>
             <a:endParaRPr lang="en-US" dirty="0">
               <a:latin typeface="Times New Roman" panose="02020603050405020304" pitchFamily="18" charset="0"/>
@@ -7887,10 +6979,6 @@
               </a:rPr>
               <a:t>Players earn points for yards, receptions, and touchdowns, each week, two fantasy players will face off and the team with more points wins that week. </a:t>
             </a:r>
-            <a:endParaRPr lang="en-US" sz="1800" dirty="0" smtClean="0">
-              <a:latin typeface="Times New Roman" panose="02020603050405020304" pitchFamily="18" charset="0"/>
-              <a:cs typeface="Times New Roman" panose="02020603050405020304" pitchFamily="18" charset="0"/>
-            </a:endParaRPr>
           </a:p>
         </p:txBody>
       </p:sp>
@@ -8392,10 +7480,6 @@
               </a:rPr>
               <a:t>In the scenario above, all the players on the left have already played but one player on the right has yet to play. Only when all players have finished (Monday night) are the final scores assessed and a winner declared</a:t>
             </a:r>
-            <a:endParaRPr lang="en-US" dirty="0" smtClean="0">
-              <a:latin typeface="Times New Roman" panose="02020603050405020304" pitchFamily="18" charset="0"/>
-              <a:cs typeface="Times New Roman" panose="02020603050405020304" pitchFamily="18" charset="0"/>
-            </a:endParaRPr>
           </a:p>
           <a:p>
             <a:pPr marL="0" indent="0">
@@ -8798,14 +7882,7 @@
                 <a:latin typeface="Times New Roman" panose="02020603050405020304" pitchFamily="18" charset="0"/>
                 <a:cs typeface="Times New Roman" panose="02020603050405020304" pitchFamily="18" charset="0"/>
               </a:rPr>
-              <a:t>This data frame lacked player position information, so a separate table containing just player names and positions was made. This table was then left-joined with the existing data frame using the player name as key. </a:t>
-            </a:r>
-            <a:r>
-              <a:rPr lang="en-US" dirty="0" smtClean="0">
-                <a:latin typeface="Times New Roman" panose="02020603050405020304" pitchFamily="18" charset="0"/>
-                <a:cs typeface="Times New Roman" panose="02020603050405020304" pitchFamily="18" charset="0"/>
-              </a:rPr>
-              <a:t>The resulting data frame was tested for missing entries and any missing entries were filled in.</a:t>
+              <a:t>This data frame lacked player position information, so a separate table containing just player names and positions was made. This table was then left-joined with the existing data frame using the player name as key. The resulting data frame was tested for missing entries and any missing entries were filled in.</a:t>
             </a:r>
             <a:endParaRPr lang="en-US" dirty="0">
               <a:latin typeface="Times New Roman" panose="02020603050405020304" pitchFamily="18" charset="0"/>
@@ -18023,19 +17100,8 @@
                 <a:latin typeface="Times New Roman" panose="02020603050405020304" pitchFamily="18" charset="0"/>
                 <a:cs typeface="Times New Roman" panose="02020603050405020304" pitchFamily="18" charset="0"/>
               </a:rPr>
-              <a:t>OOP approach</a:t>
+              <a:t>OOP approach.</a:t>
             </a:r>
-            <a:r>
-              <a:rPr lang="en-US" dirty="0" smtClean="0">
-                <a:latin typeface="Times New Roman" panose="02020603050405020304" pitchFamily="18" charset="0"/>
-                <a:cs typeface="Times New Roman" panose="02020603050405020304" pitchFamily="18" charset="0"/>
-              </a:rPr>
-              <a:t>.</a:t>
-            </a:r>
-            <a:endParaRPr lang="en-US" dirty="0" smtClean="0">
-              <a:latin typeface="Times New Roman" panose="02020603050405020304" pitchFamily="18" charset="0"/>
-              <a:cs typeface="Times New Roman" panose="02020603050405020304" pitchFamily="18" charset="0"/>
-            </a:endParaRPr>
           </a:p>
         </p:txBody>
       </p:sp>

--- a/fantasy_analytics_PP.pptx
+++ b/fantasy_analytics_PP.pptx
@@ -14,6 +14,7 @@
     <p:sldId id="260" r:id="rId8"/>
     <p:sldId id="262" r:id="rId9"/>
     <p:sldId id="263" r:id="rId10"/>
+    <p:sldId id="269" r:id="rId11"/>
   </p:sldIdLst>
   <p:sldSz cx="12192000" cy="6858000"/>
   <p:notesSz cx="6858000" cy="9144000"/>
@@ -623,7 +624,7 @@
             <a:fld id="{B61BEF0D-F0BB-DE4B-95CE-6DB70DBA9567}" type="datetimeFigureOut">
               <a:rPr lang="en-US" dirty="0"/>
               <a:pPr/>
-              <a:t>12/6/2017</a:t>
+              <a:t>12/11/2017</a:t>
             </a:fld>
             <a:endParaRPr lang="en-US" dirty="0"/>
           </a:p>
@@ -916,7 +917,7 @@
             <a:fld id="{B61BEF0D-F0BB-DE4B-95CE-6DB70DBA9567}" type="datetimeFigureOut">
               <a:rPr lang="en-US" dirty="0"/>
               <a:pPr/>
-              <a:t>12/6/2017</a:t>
+              <a:t>12/11/2017</a:t>
             </a:fld>
             <a:endParaRPr lang="en-US" dirty="0"/>
           </a:p>
@@ -1161,7 +1162,7 @@
             <a:fld id="{B61BEF0D-F0BB-DE4B-95CE-6DB70DBA9567}" type="datetimeFigureOut">
               <a:rPr lang="en-US" dirty="0"/>
               <a:pPr/>
-              <a:t>12/6/2017</a:t>
+              <a:t>12/11/2017</a:t>
             </a:fld>
             <a:endParaRPr lang="en-US" dirty="0"/>
           </a:p>
@@ -1698,7 +1699,7 @@
             <a:fld id="{B61BEF0D-F0BB-DE4B-95CE-6DB70DBA9567}" type="datetimeFigureOut">
               <a:rPr lang="en-US" dirty="0"/>
               <a:pPr/>
-              <a:t>12/6/2017</a:t>
+              <a:t>12/11/2017</a:t>
             </a:fld>
             <a:endParaRPr lang="en-US" dirty="0"/>
           </a:p>
@@ -1943,7 +1944,7 @@
             <a:fld id="{B61BEF0D-F0BB-DE4B-95CE-6DB70DBA9567}" type="datetimeFigureOut">
               <a:rPr lang="en-US" dirty="0"/>
               <a:pPr/>
-              <a:t>12/6/2017</a:t>
+              <a:t>12/11/2017</a:t>
             </a:fld>
             <a:endParaRPr lang="en-US" dirty="0"/>
           </a:p>
@@ -2472,7 +2473,7 @@
             <a:fld id="{B61BEF0D-F0BB-DE4B-95CE-6DB70DBA9567}" type="datetimeFigureOut">
               <a:rPr lang="en-US" dirty="0"/>
               <a:pPr/>
-              <a:t>12/6/2017</a:t>
+              <a:t>12/11/2017</a:t>
             </a:fld>
             <a:endParaRPr lang="en-US" dirty="0"/>
           </a:p>
@@ -2766,7 +2767,7 @@
             <a:fld id="{B61BEF0D-F0BB-DE4B-95CE-6DB70DBA9567}" type="datetimeFigureOut">
               <a:rPr lang="en-US" dirty="0"/>
               <a:pPr/>
-              <a:t>12/6/2017</a:t>
+              <a:t>12/11/2017</a:t>
             </a:fld>
             <a:endParaRPr lang="en-US" dirty="0"/>
           </a:p>
@@ -2937,7 +2938,7 @@
             <a:fld id="{B61BEF0D-F0BB-DE4B-95CE-6DB70DBA9567}" type="datetimeFigureOut">
               <a:rPr lang="en-US" dirty="0"/>
               <a:pPr/>
-              <a:t>12/6/2017</a:t>
+              <a:t>12/11/2017</a:t>
             </a:fld>
             <a:endParaRPr lang="en-US" dirty="0"/>
           </a:p>
@@ -3114,7 +3115,7 @@
             <a:fld id="{B61BEF0D-F0BB-DE4B-95CE-6DB70DBA9567}" type="datetimeFigureOut">
               <a:rPr lang="en-US" dirty="0"/>
               <a:pPr/>
-              <a:t>12/6/2017</a:t>
+              <a:t>12/11/2017</a:t>
             </a:fld>
             <a:endParaRPr lang="en-US" dirty="0"/>
           </a:p>
@@ -3281,7 +3282,7 @@
             <a:fld id="{B61BEF0D-F0BB-DE4B-95CE-6DB70DBA9567}" type="datetimeFigureOut">
               <a:rPr lang="en-US" dirty="0"/>
               <a:pPr/>
-              <a:t>12/6/2017</a:t>
+              <a:t>12/11/2017</a:t>
             </a:fld>
             <a:endParaRPr lang="en-US" dirty="0"/>
           </a:p>
@@ -3529,7 +3530,7 @@
             <a:fld id="{B61BEF0D-F0BB-DE4B-95CE-6DB70DBA9567}" type="datetimeFigureOut">
               <a:rPr lang="en-US" dirty="0"/>
               <a:pPr/>
-              <a:t>12/6/2017</a:t>
+              <a:t>12/11/2017</a:t>
             </a:fld>
             <a:endParaRPr lang="en-US" dirty="0"/>
           </a:p>
@@ -3823,7 +3824,7 @@
             <a:fld id="{B61BEF0D-F0BB-DE4B-95CE-6DB70DBA9567}" type="datetimeFigureOut">
               <a:rPr lang="en-US" dirty="0"/>
               <a:pPr/>
-              <a:t>12/6/2017</a:t>
+              <a:t>12/11/2017</a:t>
             </a:fld>
             <a:endParaRPr lang="en-US" dirty="0"/>
           </a:p>
@@ -4262,7 +4263,7 @@
             <a:fld id="{B61BEF0D-F0BB-DE4B-95CE-6DB70DBA9567}" type="datetimeFigureOut">
               <a:rPr lang="en-US" dirty="0"/>
               <a:pPr/>
-              <a:t>12/6/2017</a:t>
+              <a:t>12/11/2017</a:t>
             </a:fld>
             <a:endParaRPr lang="en-US" dirty="0"/>
           </a:p>
@@ -4377,7 +4378,7 @@
             <a:fld id="{B61BEF0D-F0BB-DE4B-95CE-6DB70DBA9567}" type="datetimeFigureOut">
               <a:rPr lang="en-US" dirty="0"/>
               <a:pPr/>
-              <a:t>12/6/2017</a:t>
+              <a:t>12/11/2017</a:t>
             </a:fld>
             <a:endParaRPr lang="en-US" dirty="0"/>
           </a:p>
@@ -4469,7 +4470,7 @@
             <a:fld id="{B61BEF0D-F0BB-DE4B-95CE-6DB70DBA9567}" type="datetimeFigureOut">
               <a:rPr lang="en-US" dirty="0"/>
               <a:pPr/>
-              <a:t>12/6/2017</a:t>
+              <a:t>12/11/2017</a:t>
             </a:fld>
             <a:endParaRPr lang="en-US" dirty="0"/>
           </a:p>
@@ -4749,7 +4750,7 @@
             <a:fld id="{B61BEF0D-F0BB-DE4B-95CE-6DB70DBA9567}" type="datetimeFigureOut">
               <a:rPr lang="en-US" dirty="0"/>
               <a:pPr/>
-              <a:t>12/6/2017</a:t>
+              <a:t>12/11/2017</a:t>
             </a:fld>
             <a:endParaRPr lang="en-US" dirty="0"/>
           </a:p>
@@ -5037,7 +5038,7 @@
             <a:fld id="{B61BEF0D-F0BB-DE4B-95CE-6DB70DBA9567}" type="datetimeFigureOut">
               <a:rPr lang="en-US" dirty="0"/>
               <a:pPr/>
-              <a:t>12/6/2017</a:t>
+              <a:t>12/11/2017</a:t>
             </a:fld>
             <a:endParaRPr lang="en-US" dirty="0"/>
           </a:p>
@@ -5564,7 +5565,7 @@
             <a:fld id="{B61BEF0D-F0BB-DE4B-95CE-6DB70DBA9567}" type="datetimeFigureOut">
               <a:rPr lang="en-US" dirty="0"/>
               <a:pPr/>
-              <a:t>12/6/2017</a:t>
+              <a:t>12/11/2017</a:t>
             </a:fld>
             <a:endParaRPr lang="en-US" dirty="0"/>
           </a:p>
@@ -6232,6 +6233,175 @@
 </p:sld>
 </file>
 
+<file path=ppt/slides/slide10.xml><?xml version="1.0" encoding="utf-8"?>
+<p:sld xmlns:a="http://schemas.openxmlformats.org/drawingml/2006/main" xmlns:r="http://schemas.openxmlformats.org/officeDocument/2006/relationships" xmlns:p="http://schemas.openxmlformats.org/presentationml/2006/main">
+  <p:cSld>
+    <p:spTree>
+      <p:nvGrpSpPr>
+        <p:cNvPr id="1" name=""/>
+        <p:cNvGrpSpPr/>
+        <p:nvPr/>
+      </p:nvGrpSpPr>
+      <p:grpSpPr>
+        <a:xfrm>
+          <a:off x="0" y="0"/>
+          <a:ext cx="0" cy="0"/>
+          <a:chOff x="0" y="0"/>
+          <a:chExt cx="0" cy="0"/>
+        </a:xfrm>
+      </p:grpSpPr>
+      <p:sp>
+        <p:nvSpPr>
+          <p:cNvPr id="2" name="Title 1"/>
+          <p:cNvSpPr>
+            <a:spLocks noGrp="1"/>
+          </p:cNvSpPr>
+          <p:nvPr>
+            <p:ph type="title"/>
+          </p:nvPr>
+        </p:nvSpPr>
+        <p:spPr>
+          <a:xfrm>
+            <a:off x="1484309" y="0"/>
+            <a:ext cx="10018713" cy="1752599"/>
+          </a:xfrm>
+        </p:spPr>
+        <p:txBody>
+          <a:bodyPr/>
+          <a:lstStyle/>
+          <a:p>
+            <a:r>
+              <a:rPr lang="en-US" dirty="0" smtClean="0">
+                <a:latin typeface="Times New Roman" panose="02020603050405020304" pitchFamily="18" charset="0"/>
+                <a:cs typeface="Times New Roman" panose="02020603050405020304" pitchFamily="18" charset="0"/>
+              </a:rPr>
+              <a:t>Additional </a:t>
+            </a:r>
+            <a:r>
+              <a:rPr lang="en-US" dirty="0" smtClean="0">
+                <a:latin typeface="Times New Roman" panose="02020603050405020304" pitchFamily="18" charset="0"/>
+                <a:cs typeface="Times New Roman" panose="02020603050405020304" pitchFamily="18" charset="0"/>
+              </a:rPr>
+              <a:t>Downstream Analysis</a:t>
+            </a:r>
+            <a:endParaRPr lang="en-US" dirty="0">
+              <a:latin typeface="Times New Roman" panose="02020603050405020304" pitchFamily="18" charset="0"/>
+              <a:cs typeface="Times New Roman" panose="02020603050405020304" pitchFamily="18" charset="0"/>
+            </a:endParaRPr>
+          </a:p>
+        </p:txBody>
+      </p:sp>
+      <p:sp>
+        <p:nvSpPr>
+          <p:cNvPr id="5" name="Content Placeholder 2"/>
+          <p:cNvSpPr>
+            <a:spLocks noGrp="1"/>
+          </p:cNvSpPr>
+          <p:nvPr>
+            <p:ph idx="1"/>
+          </p:nvPr>
+        </p:nvSpPr>
+        <p:spPr>
+          <a:xfrm>
+            <a:off x="1484309" y="1089869"/>
+            <a:ext cx="10707691" cy="5598797"/>
+          </a:xfrm>
+        </p:spPr>
+        <p:txBody>
+          <a:bodyPr>
+            <a:normAutofit/>
+          </a:bodyPr>
+          <a:lstStyle/>
+          <a:p>
+            <a:r>
+              <a:rPr lang="en-US" dirty="0" smtClean="0">
+                <a:latin typeface="Times New Roman" panose="02020603050405020304" pitchFamily="18" charset="0"/>
+                <a:cs typeface="Times New Roman" panose="02020603050405020304" pitchFamily="18" charset="0"/>
+              </a:rPr>
+              <a:t>Using </a:t>
+            </a:r>
+            <a:r>
+              <a:rPr lang="en-US" dirty="0" err="1" smtClean="0">
+                <a:latin typeface="Times New Roman" panose="02020603050405020304" pitchFamily="18" charset="0"/>
+                <a:cs typeface="Times New Roman" panose="02020603050405020304" pitchFamily="18" charset="0"/>
+              </a:rPr>
+              <a:t>Plotly</a:t>
+            </a:r>
+            <a:r>
+              <a:rPr lang="en-US" dirty="0" smtClean="0">
+                <a:latin typeface="Times New Roman" panose="02020603050405020304" pitchFamily="18" charset="0"/>
+                <a:cs typeface="Times New Roman" panose="02020603050405020304" pitchFamily="18" charset="0"/>
+              </a:rPr>
+              <a:t> and Python API</a:t>
+            </a:r>
+          </a:p>
+          <a:p>
+            <a:r>
+              <a:rPr lang="en-US" dirty="0" smtClean="0">
+                <a:latin typeface="Times New Roman" panose="02020603050405020304" pitchFamily="18" charset="0"/>
+                <a:cs typeface="Times New Roman" panose="02020603050405020304" pitchFamily="18" charset="0"/>
+              </a:rPr>
+              <a:t>Boxplots for weekly performance</a:t>
+            </a:r>
+          </a:p>
+          <a:p>
+            <a:r>
+              <a:rPr lang="en-US" dirty="0" smtClean="0">
+                <a:latin typeface="Times New Roman" panose="02020603050405020304" pitchFamily="18" charset="0"/>
+                <a:cs typeface="Times New Roman" panose="02020603050405020304" pitchFamily="18" charset="0"/>
+              </a:rPr>
+              <a:t>Using rate statistics to assess players</a:t>
+            </a:r>
+          </a:p>
+          <a:p>
+            <a:r>
+              <a:rPr lang="en-US" dirty="0" smtClean="0">
+                <a:latin typeface="Times New Roman" panose="02020603050405020304" pitchFamily="18" charset="0"/>
+                <a:cs typeface="Times New Roman" panose="02020603050405020304" pitchFamily="18" charset="0"/>
+              </a:rPr>
+              <a:t>Analyzing the performances of 4 players across the season</a:t>
+            </a:r>
+          </a:p>
+          <a:p>
+            <a:r>
+              <a:rPr lang="en-US" dirty="0" smtClean="0">
+                <a:latin typeface="Times New Roman" panose="02020603050405020304" pitchFamily="18" charset="0"/>
+                <a:cs typeface="Times New Roman" panose="02020603050405020304" pitchFamily="18" charset="0"/>
+              </a:rPr>
+              <a:t>Analyzing the ‘consistency’ of players by examining the spread of their points</a:t>
+            </a:r>
+          </a:p>
+          <a:p>
+            <a:r>
+              <a:rPr lang="en-US" dirty="0" smtClean="0">
+                <a:latin typeface="Times New Roman" panose="02020603050405020304" pitchFamily="18" charset="0"/>
+                <a:cs typeface="Times New Roman" panose="02020603050405020304" pitchFamily="18" charset="0"/>
+              </a:rPr>
+              <a:t>Analyzing the source of a player’s points</a:t>
+            </a:r>
+          </a:p>
+        </p:txBody>
+      </p:sp>
+    </p:spTree>
+    <p:extLst>
+      <p:ext uri="{BB962C8B-B14F-4D97-AF65-F5344CB8AC3E}">
+        <p14:creationId xmlns:p14="http://schemas.microsoft.com/office/powerpoint/2010/main" val="1422076271"/>
+      </p:ext>
+    </p:extLst>
+  </p:cSld>
+  <p:clrMapOvr>
+    <a:masterClrMapping/>
+  </p:clrMapOvr>
+  <p:timing>
+    <p:tnLst>
+      <p:par>
+        <p:cTn id="1" dur="indefinite" restart="never" nodeType="tmRoot"/>
+      </p:par>
+    </p:tnLst>
+  </p:timing>
+</p:sld>
+</file>
+
 <file path=ppt/slides/slide2.xml><?xml version="1.0" encoding="utf-8"?>
 <p:sld xmlns:a="http://schemas.openxmlformats.org/drawingml/2006/main" xmlns:r="http://schemas.openxmlformats.org/officeDocument/2006/relationships" xmlns:p="http://schemas.openxmlformats.org/presentationml/2006/main">
   <p:cSld>
@@ -17077,7 +17247,7 @@
       </p:sp>
       <p:sp>
         <p:nvSpPr>
-          <p:cNvPr id="3" name="Content Placeholder 2"/>
+          <p:cNvPr id="5" name="Content Placeholder 2"/>
           <p:cNvSpPr>
             <a:spLocks noGrp="1"/>
           </p:cNvSpPr>
@@ -17087,12 +17257,14 @@
         </p:nvSpPr>
         <p:spPr>
           <a:xfrm>
-            <a:off x="1484310" y="1073791"/>
-            <a:ext cx="10293833" cy="5784209"/>
+            <a:off x="1484309" y="1089869"/>
+            <a:ext cx="10707691" cy="5598797"/>
           </a:xfrm>
         </p:spPr>
         <p:txBody>
-          <a:bodyPr anchor="ctr"/>
+          <a:bodyPr>
+            <a:normAutofit/>
+          </a:bodyPr>
           <a:lstStyle/>
           <a:p>
             <a:r>
@@ -17100,8 +17272,63 @@
                 <a:latin typeface="Times New Roman" panose="02020603050405020304" pitchFamily="18" charset="0"/>
                 <a:cs typeface="Times New Roman" panose="02020603050405020304" pitchFamily="18" charset="0"/>
               </a:rPr>
-              <a:t>OOP approach.</a:t>
+              <a:t>Examine two categorical variables and visualize</a:t>
             </a:r>
+          </a:p>
+          <a:p>
+            <a:r>
+              <a:rPr lang="en-US" dirty="0" smtClean="0">
+                <a:latin typeface="Times New Roman" panose="02020603050405020304" pitchFamily="18" charset="0"/>
+                <a:cs typeface="Times New Roman" panose="02020603050405020304" pitchFamily="18" charset="0"/>
+              </a:rPr>
+              <a:t>Examine and summarize one continuous variable and visualize</a:t>
+            </a:r>
+          </a:p>
+          <a:p>
+            <a:r>
+              <a:rPr lang="en-US" dirty="0" smtClean="0">
+                <a:latin typeface="Times New Roman" panose="02020603050405020304" pitchFamily="18" charset="0"/>
+                <a:cs typeface="Times New Roman" panose="02020603050405020304" pitchFamily="18" charset="0"/>
+              </a:rPr>
+              <a:t>Examine the continuous variable as stratified by a categorical variable</a:t>
+            </a:r>
+          </a:p>
+          <a:p>
+            <a:r>
+              <a:rPr lang="en-US" dirty="0" smtClean="0">
+                <a:latin typeface="Times New Roman" panose="02020603050405020304" pitchFamily="18" charset="0"/>
+                <a:cs typeface="Times New Roman" panose="02020603050405020304" pitchFamily="18" charset="0"/>
+              </a:rPr>
+              <a:t>Simple random sampling and illustration of Central Limit Theorem</a:t>
+            </a:r>
+          </a:p>
+          <a:p>
+            <a:r>
+              <a:rPr lang="en-US" dirty="0" smtClean="0">
+                <a:latin typeface="Times New Roman" panose="02020603050405020304" pitchFamily="18" charset="0"/>
+                <a:cs typeface="Times New Roman" panose="02020603050405020304" pitchFamily="18" charset="0"/>
+              </a:rPr>
+              <a:t>Stratified sampling to produce realistic fantasy roster</a:t>
+            </a:r>
+          </a:p>
+          <a:p>
+            <a:r>
+              <a:rPr lang="en-US" dirty="0" smtClean="0">
+                <a:latin typeface="Times New Roman" panose="02020603050405020304" pitchFamily="18" charset="0"/>
+                <a:cs typeface="Times New Roman" panose="02020603050405020304" pitchFamily="18" charset="0"/>
+              </a:rPr>
+              <a:t>Bootstrapping for mean estimation and confidence interval</a:t>
+            </a:r>
+            <a:endParaRPr lang="en-US" dirty="0" smtClean="0">
+              <a:latin typeface="Times New Roman" panose="02020603050405020304" pitchFamily="18" charset="0"/>
+              <a:cs typeface="Times New Roman" panose="02020603050405020304" pitchFamily="18" charset="0"/>
+            </a:endParaRPr>
+          </a:p>
+          <a:p>
+            <a:endParaRPr lang="en-US" dirty="0" smtClean="0">
+              <a:latin typeface="Times New Roman" panose="02020603050405020304" pitchFamily="18" charset="0"/>
+              <a:cs typeface="Times New Roman" panose="02020603050405020304" pitchFamily="18" charset="0"/>
+            </a:endParaRPr>
           </a:p>
         </p:txBody>
       </p:sp>
